--- a/docs/poster.pptx
+++ b/docs/poster.pptx
@@ -254,7 +254,7 @@
           <a:p>
             <a:fld id="{C8C68A4F-5072-4E89-BF9F-B138CC9B4D68}" type="datetimeFigureOut">
               <a:rPr lang="en-US" smtClean="0"/>
-              <a:t>6/5/2019</a:t>
+              <a:t>6/10/2019</a:t>
             </a:fld>
             <a:endParaRPr lang="en-US"/>
           </a:p>
@@ -424,7 +424,7 @@
           <a:p>
             <a:fld id="{C8C68A4F-5072-4E89-BF9F-B138CC9B4D68}" type="datetimeFigureOut">
               <a:rPr lang="en-US" smtClean="0"/>
-              <a:t>6/5/2019</a:t>
+              <a:t>6/10/2019</a:t>
             </a:fld>
             <a:endParaRPr lang="en-US"/>
           </a:p>
@@ -604,7 +604,7 @@
           <a:p>
             <a:fld id="{C8C68A4F-5072-4E89-BF9F-B138CC9B4D68}" type="datetimeFigureOut">
               <a:rPr lang="en-US" smtClean="0"/>
-              <a:t>6/5/2019</a:t>
+              <a:t>6/10/2019</a:t>
             </a:fld>
             <a:endParaRPr lang="en-US"/>
           </a:p>
@@ -774,7 +774,7 @@
           <a:p>
             <a:fld id="{C8C68A4F-5072-4E89-BF9F-B138CC9B4D68}" type="datetimeFigureOut">
               <a:rPr lang="en-US" smtClean="0"/>
-              <a:t>6/5/2019</a:t>
+              <a:t>6/10/2019</a:t>
             </a:fld>
             <a:endParaRPr lang="en-US"/>
           </a:p>
@@ -1018,7 +1018,7 @@
           <a:p>
             <a:fld id="{C8C68A4F-5072-4E89-BF9F-B138CC9B4D68}" type="datetimeFigureOut">
               <a:rPr lang="en-US" smtClean="0"/>
-              <a:t>6/5/2019</a:t>
+              <a:t>6/10/2019</a:t>
             </a:fld>
             <a:endParaRPr lang="en-US"/>
           </a:p>
@@ -1250,7 +1250,7 @@
           <a:p>
             <a:fld id="{C8C68A4F-5072-4E89-BF9F-B138CC9B4D68}" type="datetimeFigureOut">
               <a:rPr lang="en-US" smtClean="0"/>
-              <a:t>6/5/2019</a:t>
+              <a:t>6/10/2019</a:t>
             </a:fld>
             <a:endParaRPr lang="en-US"/>
           </a:p>
@@ -1617,7 +1617,7 @@
           <a:p>
             <a:fld id="{C8C68A4F-5072-4E89-BF9F-B138CC9B4D68}" type="datetimeFigureOut">
               <a:rPr lang="en-US" smtClean="0"/>
-              <a:t>6/5/2019</a:t>
+              <a:t>6/10/2019</a:t>
             </a:fld>
             <a:endParaRPr lang="en-US"/>
           </a:p>
@@ -1735,7 +1735,7 @@
           <a:p>
             <a:fld id="{C8C68A4F-5072-4E89-BF9F-B138CC9B4D68}" type="datetimeFigureOut">
               <a:rPr lang="en-US" smtClean="0"/>
-              <a:t>6/5/2019</a:t>
+              <a:t>6/10/2019</a:t>
             </a:fld>
             <a:endParaRPr lang="en-US"/>
           </a:p>
@@ -1830,7 +1830,7 @@
           <a:p>
             <a:fld id="{C8C68A4F-5072-4E89-BF9F-B138CC9B4D68}" type="datetimeFigureOut">
               <a:rPr lang="en-US" smtClean="0"/>
-              <a:t>6/5/2019</a:t>
+              <a:t>6/10/2019</a:t>
             </a:fld>
             <a:endParaRPr lang="en-US"/>
           </a:p>
@@ -2107,7 +2107,7 @@
           <a:p>
             <a:fld id="{C8C68A4F-5072-4E89-BF9F-B138CC9B4D68}" type="datetimeFigureOut">
               <a:rPr lang="en-US" smtClean="0"/>
-              <a:t>6/5/2019</a:t>
+              <a:t>6/10/2019</a:t>
             </a:fld>
             <a:endParaRPr lang="en-US"/>
           </a:p>
@@ -2364,7 +2364,7 @@
           <a:p>
             <a:fld id="{C8C68A4F-5072-4E89-BF9F-B138CC9B4D68}" type="datetimeFigureOut">
               <a:rPr lang="en-US" smtClean="0"/>
-              <a:t>6/5/2019</a:t>
+              <a:t>6/10/2019</a:t>
             </a:fld>
             <a:endParaRPr lang="en-US"/>
           </a:p>
@@ -2577,7 +2577,7 @@
           <a:p>
             <a:fld id="{C8C68A4F-5072-4E89-BF9F-B138CC9B4D68}" type="datetimeFigureOut">
               <a:rPr lang="en-US" smtClean="0"/>
-              <a:t>6/5/2019</a:t>
+              <a:t>6/10/2019</a:t>
             </a:fld>
             <a:endParaRPr lang="en-US"/>
           </a:p>
@@ -2984,10 +2984,10 @@
       </p:grpSpPr>
       <p:pic>
         <p:nvPicPr>
-          <p:cNvPr id="7" name="Picture 6" descr="A close up of a map&#10;&#10;Description automatically generated">
+          <p:cNvPr id="6" name="Picture 5" descr="A close up of text on a white background&#10;&#10;Description automatically generated">
             <a:extLst>
               <a:ext uri="{FF2B5EF4-FFF2-40B4-BE49-F238E27FC236}">
-                <a16:creationId xmlns:a16="http://schemas.microsoft.com/office/drawing/2014/main" id="{09038F82-C08F-477A-AA68-05A14BEC03E6}"/>
+                <a16:creationId xmlns:a16="http://schemas.microsoft.com/office/drawing/2014/main" id="{CF0EA7A2-F19C-4D54-BE37-57866CC0724F}"/>
               </a:ext>
             </a:extLst>
           </p:cNvPr>
@@ -3010,8 +3010,8 @@
         </p:blipFill>
         <p:spPr>
           <a:xfrm>
-            <a:off x="3327363" y="5377889"/>
-            <a:ext cx="3556498" cy="2798643"/>
+            <a:off x="3295495" y="5107911"/>
+            <a:ext cx="3510330" cy="2850416"/>
           </a:xfrm>
           <a:prstGeom prst="rect">
             <a:avLst/>
@@ -3036,8 +3036,8 @@
         </p:nvSpPr>
         <p:spPr>
           <a:xfrm>
-            <a:off x="1424763" y="1187125"/>
-            <a:ext cx="5360874" cy="1040707"/>
+            <a:off x="1247809" y="1187125"/>
+            <a:ext cx="5537828" cy="1209301"/>
           </a:xfrm>
         </p:spPr>
         <p:txBody>
@@ -3055,7 +3055,7 @@
               </a:spcBef>
             </a:pPr>
             <a:r>
-              <a:rPr lang="he-IL" sz="1000" dirty="0"/>
+              <a:rPr lang="he-IL" sz="1200" dirty="0"/>
               <a:t>בשנים האחרונות ילדים מבלים את רוב זמנם בשימוש בטכנולוגיות כגון: סמארטפונים, מחשבים, טאבלטים. תופעה זו באה על חשבון קריאת ספרים וכתוצאה מכך לילדים יש:</a:t>
             </a:r>
           </a:p>
@@ -3071,7 +3071,7 @@
               <a:buChar char="•"/>
             </a:pPr>
             <a:r>
-              <a:rPr lang="he-IL" sz="1000" dirty="0"/>
+              <a:rPr lang="he-IL" sz="1200" dirty="0"/>
               <a:t> שפה דלה שפוגעת ביכולת הביטוי העצמי בדיבור ובכתיבה.</a:t>
             </a:r>
           </a:p>
@@ -3087,7 +3087,7 @@
               <a:buChar char="•"/>
             </a:pPr>
             <a:r>
-              <a:rPr lang="he-IL" sz="1000" dirty="0"/>
+              <a:rPr lang="he-IL" sz="1200" dirty="0"/>
               <a:t>דמיון פחות מפותח.</a:t>
             </a:r>
           </a:p>
@@ -3101,7 +3101,7 @@
               </a:spcBef>
             </a:pPr>
             <a:r>
-              <a:rPr lang="he-IL" sz="1000" dirty="0"/>
+              <a:rPr lang="he-IL" sz="1200" dirty="0"/>
               <a:t>הורים ומורים נתקלים בקושי רב לעודד ילדים לקרוא ספרים.</a:t>
             </a:r>
           </a:p>
@@ -3132,7 +3132,7 @@
         </p:nvGrpSpPr>
         <p:grpSpPr>
           <a:xfrm>
-            <a:off x="502785" y="4271866"/>
+            <a:off x="266256" y="4312348"/>
             <a:ext cx="1598704" cy="1644611"/>
             <a:chOff x="624605" y="454611"/>
             <a:chExt cx="3579670" cy="3750799"/>
@@ -3697,8 +3697,8 @@
         </p:nvSpPr>
         <p:spPr>
           <a:xfrm>
-            <a:off x="2286010" y="4340752"/>
-            <a:ext cx="1750127" cy="1602258"/>
+            <a:off x="1925175" y="4534877"/>
+            <a:ext cx="1750127" cy="1861761"/>
           </a:xfrm>
           <a:prstGeom prst="rect">
             <a:avLst/>
@@ -3878,7 +3878,7 @@
               <a:buChar char="•"/>
             </a:pPr>
             <a:r>
-              <a:rPr lang="he-IL" sz="1000" dirty="0"/>
+              <a:rPr lang="he-IL" sz="1200" dirty="0"/>
               <a:t>ניהול קריאת ספרים.</a:t>
             </a:r>
           </a:p>
@@ -3888,7 +3888,7 @@
               <a:buChar char="•"/>
             </a:pPr>
             <a:r>
-              <a:rPr lang="he-IL" sz="1000" dirty="0"/>
+              <a:rPr lang="he-IL" sz="1200" dirty="0"/>
               <a:t> ניהול בחנים.</a:t>
             </a:r>
           </a:p>
@@ -3898,7 +3898,7 @@
               <a:buChar char="•"/>
             </a:pPr>
             <a:r>
-              <a:rPr lang="he-IL" sz="1000" dirty="0"/>
+              <a:rPr lang="he-IL" sz="1200" dirty="0"/>
               <a:t>ניהול נקודות.</a:t>
             </a:r>
           </a:p>
@@ -3908,7 +3908,7 @@
               <a:buChar char="•"/>
             </a:pPr>
             <a:r>
-              <a:rPr lang="he-IL" sz="1000" dirty="0"/>
+              <a:rPr lang="he-IL" sz="1200" dirty="0"/>
               <a:t>ניהול קניית משחקים.</a:t>
             </a:r>
           </a:p>
@@ -3918,7 +3918,7 @@
               <a:buChar char="•"/>
             </a:pPr>
             <a:r>
-              <a:rPr lang="he-IL" sz="1000" dirty="0"/>
+              <a:rPr lang="he-IL" sz="1200" dirty="0"/>
               <a:t>ניהול רשמים על ספרים והעלאת ציורים.</a:t>
             </a:r>
           </a:p>
@@ -3928,7 +3928,7 @@
               <a:buChar char="•"/>
             </a:pPr>
             <a:r>
-              <a:rPr lang="he-IL" sz="1000" dirty="0"/>
+              <a:rPr lang="he-IL" sz="1200" dirty="0"/>
               <a:t>ניהול מאגר ספרים.</a:t>
             </a:r>
           </a:p>
@@ -3969,8 +3969,8 @@
         </p:blipFill>
         <p:spPr>
           <a:xfrm>
-            <a:off x="5139326" y="2873592"/>
-            <a:ext cx="1575699" cy="1110867"/>
+            <a:off x="5335650" y="2790091"/>
+            <a:ext cx="1439310" cy="1014713"/>
           </a:xfrm>
           <a:prstGeom prst="rect">
             <a:avLst/>
@@ -4471,7 +4471,7 @@
         </p:nvSpPr>
         <p:spPr>
           <a:xfrm>
-            <a:off x="3585748" y="2789808"/>
+            <a:off x="3940187" y="2774059"/>
             <a:ext cx="1256339" cy="265362"/>
           </a:xfrm>
           <a:prstGeom prst="roundRect">
@@ -4537,7 +4537,7 @@
         </p:nvSpPr>
         <p:spPr>
           <a:xfrm>
-            <a:off x="1925175" y="4009873"/>
+            <a:off x="1777808" y="4133382"/>
             <a:ext cx="1892953" cy="286359"/>
           </a:xfrm>
           <a:prstGeom prst="roundRect">
@@ -5246,8 +5246,8 @@
         </p:nvSpPr>
         <p:spPr>
           <a:xfrm>
-            <a:off x="-189592" y="3115696"/>
-            <a:ext cx="5274819" cy="664354"/>
+            <a:off x="38469" y="3102606"/>
+            <a:ext cx="5246994" cy="1080769"/>
           </a:xfrm>
           <a:prstGeom prst="rect">
             <a:avLst/>
@@ -5430,23 +5430,23 @@
               <a:buChar char="•"/>
             </a:pPr>
             <a:r>
-              <a:rPr lang="he-IL" sz="1000" dirty="0"/>
+              <a:rPr lang="he-IL" sz="1200" dirty="0"/>
               <a:t>מערכת מבוססת </a:t>
             </a:r>
             <a:r>
-              <a:rPr lang="en-US" sz="1000" dirty="0"/>
+              <a:rPr lang="en-US" sz="1200" dirty="0"/>
               <a:t>Web </a:t>
             </a:r>
             <a:r>
-              <a:rPr lang="he-IL" sz="1000" dirty="0"/>
+              <a:rPr lang="he-IL" sz="1200" dirty="0"/>
               <a:t> אשר מעודדת את הילדים לקרוא ספרים באמצעות פרסים ומשחקי </a:t>
             </a:r>
             <a:r>
-              <a:rPr lang="en-US" sz="1000" dirty="0"/>
+              <a:rPr lang="en-US" sz="1200" dirty="0"/>
               <a:t>Web</a:t>
             </a:r>
             <a:r>
-              <a:rPr lang="he-IL" sz="1000" dirty="0"/>
+              <a:rPr lang="he-IL" sz="1200" dirty="0"/>
               <a:t>.</a:t>
             </a:r>
           </a:p>
@@ -5459,7 +5459,7 @@
               <a:buChar char="•"/>
             </a:pPr>
             <a:r>
-              <a:rPr lang="he-IL" sz="1000" dirty="0"/>
+              <a:rPr lang="he-IL" sz="1200" dirty="0"/>
               <a:t>יצירת פלטפורמה להורים ומורים למעקב אחר התקדמות הילדים בקריאת ספרים.</a:t>
             </a:r>
           </a:p>
@@ -5472,10 +5472,10 @@
               <a:buChar char="•"/>
             </a:pPr>
             <a:r>
-              <a:rPr lang="he-IL" sz="1000" dirty="0"/>
+              <a:rPr lang="he-IL" sz="1200" dirty="0"/>
               <a:t>קהל היעד הם הקהל הרחב של הילדים במסגרת בית ספר או בשימוש עצמי בעידוד ההורים.</a:t>
             </a:r>
-            <a:endParaRPr lang="en-US" sz="1000" dirty="0"/>
+            <a:endParaRPr lang="en-US" sz="1200" dirty="0"/>
           </a:p>
           <a:p>
             <a:pPr algn="r" rtl="1">
@@ -5504,7 +5504,7 @@
         </p:nvSpPr>
         <p:spPr>
           <a:xfrm>
-            <a:off x="4583901" y="4986116"/>
+            <a:off x="4791402" y="4637670"/>
             <a:ext cx="1461198" cy="239223"/>
           </a:xfrm>
           <a:prstGeom prst="roundRect">
@@ -5570,7 +5570,7 @@
         </p:nvGrpSpPr>
         <p:grpSpPr>
           <a:xfrm>
-            <a:off x="158769" y="6526416"/>
+            <a:off x="86154" y="6552326"/>
             <a:ext cx="2567246" cy="1897573"/>
             <a:chOff x="237314" y="2438268"/>
             <a:chExt cx="3384938" cy="2519225"/>

--- a/docs/poster.pptx
+++ b/docs/poster.pptx
@@ -2982,42 +2982,6 @@
           <a:chExt cx="0" cy="0"/>
         </a:xfrm>
       </p:grpSpPr>
-      <p:pic>
-        <p:nvPicPr>
-          <p:cNvPr id="6" name="Picture 5" descr="A close up of text on a white background&#10;&#10;Description automatically generated">
-            <a:extLst>
-              <a:ext uri="{FF2B5EF4-FFF2-40B4-BE49-F238E27FC236}">
-                <a16:creationId xmlns:a16="http://schemas.microsoft.com/office/drawing/2014/main" id="{CF0EA7A2-F19C-4D54-BE37-57866CC0724F}"/>
-              </a:ext>
-            </a:extLst>
-          </p:cNvPr>
-          <p:cNvPicPr>
-            <a:picLocks noChangeAspect="1"/>
-          </p:cNvPicPr>
-          <p:nvPr/>
-        </p:nvPicPr>
-        <p:blipFill>
-          <a:blip r:embed="rId2">
-            <a:extLst>
-              <a:ext uri="{28A0092B-C50C-407E-A947-70E740481C1C}">
-                <a14:useLocalDpi xmlns:a14="http://schemas.microsoft.com/office/drawing/2010/main" val="0"/>
-              </a:ext>
-            </a:extLst>
-          </a:blip>
-          <a:stretch>
-            <a:fillRect/>
-          </a:stretch>
-        </p:blipFill>
-        <p:spPr>
-          <a:xfrm>
-            <a:off x="3295495" y="5107911"/>
-            <a:ext cx="3510330" cy="2850416"/>
-          </a:xfrm>
-          <a:prstGeom prst="rect">
-            <a:avLst/>
-          </a:prstGeom>
-        </p:spPr>
-      </p:pic>
       <p:sp>
         <p:nvSpPr>
           <p:cNvPr id="25" name="Subtitle 24">
@@ -3036,8 +3000,8 @@
         </p:nvSpPr>
         <p:spPr>
           <a:xfrm>
-            <a:off x="1247809" y="1187125"/>
-            <a:ext cx="5537828" cy="1209301"/>
+            <a:off x="664970" y="1187125"/>
+            <a:ext cx="6120667" cy="1432439"/>
           </a:xfrm>
         </p:spPr>
         <p:txBody>
@@ -3055,7 +3019,7 @@
               </a:spcBef>
             </a:pPr>
             <a:r>
-              <a:rPr lang="he-IL" sz="1200" dirty="0"/>
+              <a:rPr lang="he-IL" sz="1400" dirty="0"/>
               <a:t>בשנים האחרונות ילדים מבלים את רוב זמנם בשימוש בטכנולוגיות כגון: סמארטפונים, מחשבים, טאבלטים. תופעה זו באה על חשבון קריאת ספרים וכתוצאה מכך לילדים יש:</a:t>
             </a:r>
           </a:p>
@@ -3071,7 +3035,7 @@
               <a:buChar char="•"/>
             </a:pPr>
             <a:r>
-              <a:rPr lang="he-IL" sz="1200" dirty="0"/>
+              <a:rPr lang="he-IL" sz="1400" dirty="0"/>
               <a:t> שפה דלה שפוגעת ביכולת הביטוי העצמי בדיבור ובכתיבה.</a:t>
             </a:r>
           </a:p>
@@ -3087,7 +3051,7 @@
               <a:buChar char="•"/>
             </a:pPr>
             <a:r>
-              <a:rPr lang="he-IL" sz="1200" dirty="0"/>
+              <a:rPr lang="he-IL" sz="1400" dirty="0"/>
               <a:t>דמיון פחות מפותח.</a:t>
             </a:r>
           </a:p>
@@ -3101,7 +3065,7 @@
               </a:spcBef>
             </a:pPr>
             <a:r>
-              <a:rPr lang="he-IL" sz="1200" dirty="0"/>
+              <a:rPr lang="he-IL" sz="1400" dirty="0"/>
               <a:t>הורים ומורים נתקלים בקושי רב לעודד ילדים לקרוא ספרים.</a:t>
             </a:r>
           </a:p>
@@ -3114,7 +3078,7 @@
                 <a:spcPts val="300"/>
               </a:spcBef>
             </a:pPr>
-            <a:endParaRPr lang="en-US" sz="1000" dirty="0"/>
+            <a:endParaRPr lang="en-US" sz="1300" dirty="0"/>
           </a:p>
         </p:txBody>
       </p:sp>
@@ -3132,7 +3096,7 @@
         </p:nvGrpSpPr>
         <p:grpSpPr>
           <a:xfrm>
-            <a:off x="266256" y="4312348"/>
+            <a:off x="152697" y="4297254"/>
             <a:ext cx="1598704" cy="1644611"/>
             <a:chOff x="624605" y="454611"/>
             <a:chExt cx="3579670" cy="3750799"/>
@@ -3153,7 +3117,7 @@
             <p:nvPr/>
           </p:nvPicPr>
           <p:blipFill>
-            <a:blip r:embed="rId3">
+            <a:blip r:embed="rId2">
               <a:extLst>
                 <a:ext uri="{28A0092B-C50C-407E-A947-70E740481C1C}">
                   <a14:useLocalDpi xmlns:a14="http://schemas.microsoft.com/office/drawing/2010/main" val="0"/>
@@ -3189,7 +3153,7 @@
             <p:nvPr/>
           </p:nvPicPr>
           <p:blipFill>
-            <a:blip r:embed="rId4">
+            <a:blip r:embed="rId3">
               <a:extLst>
                 <a:ext uri="{28A0092B-C50C-407E-A947-70E740481C1C}">
                   <a14:useLocalDpi xmlns:a14="http://schemas.microsoft.com/office/drawing/2010/main" val="0"/>
@@ -3225,7 +3189,7 @@
             <p:nvPr/>
           </p:nvPicPr>
           <p:blipFill>
-            <a:blip r:embed="rId5">
+            <a:blip r:embed="rId4">
               <a:extLst>
                 <a:ext uri="{28A0092B-C50C-407E-A947-70E740481C1C}">
                   <a14:useLocalDpi xmlns:a14="http://schemas.microsoft.com/office/drawing/2010/main" val="0"/>
@@ -3261,7 +3225,7 @@
             <p:nvPr/>
           </p:nvPicPr>
           <p:blipFill>
-            <a:blip r:embed="rId6">
+            <a:blip r:embed="rId5">
               <a:extLst>
                 <a:ext uri="{28A0092B-C50C-407E-A947-70E740481C1C}">
                   <a14:useLocalDpi xmlns:a14="http://schemas.microsoft.com/office/drawing/2010/main" val="0"/>
@@ -3297,7 +3261,7 @@
             <p:nvPr/>
           </p:nvPicPr>
           <p:blipFill>
-            <a:blip r:embed="rId7">
+            <a:blip r:embed="rId6">
               <a:extLst>
                 <a:ext uri="{28A0092B-C50C-407E-A947-70E740481C1C}">
                   <a14:useLocalDpi xmlns:a14="http://schemas.microsoft.com/office/drawing/2010/main" val="0"/>
@@ -3333,7 +3297,7 @@
             <p:nvPr/>
           </p:nvPicPr>
           <p:blipFill>
-            <a:blip r:embed="rId8">
+            <a:blip r:embed="rId7">
               <a:extLst>
                 <a:ext uri="{28A0092B-C50C-407E-A947-70E740481C1C}">
                   <a14:useLocalDpi xmlns:a14="http://schemas.microsoft.com/office/drawing/2010/main" val="0"/>
@@ -3369,7 +3333,7 @@
             <p:nvPr/>
           </p:nvPicPr>
           <p:blipFill>
-            <a:blip r:embed="rId8">
+            <a:blip r:embed="rId7">
               <a:extLst>
                 <a:ext uri="{28A0092B-C50C-407E-A947-70E740481C1C}">
                   <a14:useLocalDpi xmlns:a14="http://schemas.microsoft.com/office/drawing/2010/main" val="0"/>
@@ -3405,7 +3369,7 @@
             <p:nvPr/>
           </p:nvPicPr>
           <p:blipFill>
-            <a:blip r:embed="rId8">
+            <a:blip r:embed="rId7">
               <a:extLst>
                 <a:ext uri="{28A0092B-C50C-407E-A947-70E740481C1C}">
                   <a14:useLocalDpi xmlns:a14="http://schemas.microsoft.com/office/drawing/2010/main" val="0"/>
@@ -3441,7 +3405,7 @@
             <p:nvPr/>
           </p:nvPicPr>
           <p:blipFill>
-            <a:blip r:embed="rId8">
+            <a:blip r:embed="rId7">
               <a:extLst>
                 <a:ext uri="{28A0092B-C50C-407E-A947-70E740481C1C}">
                   <a14:useLocalDpi xmlns:a14="http://schemas.microsoft.com/office/drawing/2010/main" val="0"/>
@@ -3649,7 +3613,7 @@
           <p:nvPr/>
         </p:nvPicPr>
         <p:blipFill>
-          <a:blip r:embed="rId9">
+          <a:blip r:embed="rId8">
             <a:extLst>
               <a:ext uri="{28A0092B-C50C-407E-A947-70E740481C1C}">
                 <a14:useLocalDpi xmlns:a14="http://schemas.microsoft.com/office/drawing/2010/main" val="0"/>
@@ -3663,7 +3627,7 @@
         </p:blipFill>
         <p:spPr bwMode="auto">
           <a:xfrm>
-            <a:off x="184159" y="1469679"/>
+            <a:off x="30774" y="1705447"/>
             <a:ext cx="1124259" cy="1191490"/>
           </a:xfrm>
           <a:prstGeom prst="rect">
@@ -3697,8 +3661,8 @@
         </p:nvSpPr>
         <p:spPr>
           <a:xfrm>
-            <a:off x="1925175" y="4534877"/>
-            <a:ext cx="1750127" cy="1861761"/>
+            <a:off x="1744615" y="4422323"/>
+            <a:ext cx="1750127" cy="2070765"/>
           </a:xfrm>
           <a:prstGeom prst="rect">
             <a:avLst/>
@@ -3878,7 +3842,7 @@
               <a:buChar char="•"/>
             </a:pPr>
             <a:r>
-              <a:rPr lang="he-IL" sz="1200" dirty="0"/>
+              <a:rPr lang="he-IL" sz="1300" dirty="0"/>
               <a:t>ניהול קריאת ספרים.</a:t>
             </a:r>
           </a:p>
@@ -3888,7 +3852,7 @@
               <a:buChar char="•"/>
             </a:pPr>
             <a:r>
-              <a:rPr lang="he-IL" sz="1200" dirty="0"/>
+              <a:rPr lang="he-IL" sz="1300" dirty="0"/>
               <a:t> ניהול בחנים.</a:t>
             </a:r>
           </a:p>
@@ -3898,7 +3862,7 @@
               <a:buChar char="•"/>
             </a:pPr>
             <a:r>
-              <a:rPr lang="he-IL" sz="1200" dirty="0"/>
+              <a:rPr lang="he-IL" sz="1300" dirty="0"/>
               <a:t>ניהול נקודות.</a:t>
             </a:r>
           </a:p>
@@ -3908,7 +3872,7 @@
               <a:buChar char="•"/>
             </a:pPr>
             <a:r>
-              <a:rPr lang="he-IL" sz="1200" dirty="0"/>
+              <a:rPr lang="he-IL" sz="1300" dirty="0"/>
               <a:t>ניהול קניית משחקים.</a:t>
             </a:r>
           </a:p>
@@ -3918,7 +3882,7 @@
               <a:buChar char="•"/>
             </a:pPr>
             <a:r>
-              <a:rPr lang="he-IL" sz="1200" dirty="0"/>
+              <a:rPr lang="he-IL" sz="1300" dirty="0"/>
               <a:t>ניהול רשמים על ספרים והעלאת ציורים.</a:t>
             </a:r>
           </a:p>
@@ -3928,7 +3892,7 @@
               <a:buChar char="•"/>
             </a:pPr>
             <a:r>
-              <a:rPr lang="he-IL" sz="1200" dirty="0"/>
+              <a:rPr lang="he-IL" sz="1300" dirty="0"/>
               <a:t>ניהול מאגר ספרים.</a:t>
             </a:r>
           </a:p>
@@ -3937,7 +3901,7 @@
               <a:buFont typeface="Arial" panose="020B0604020202020204" pitchFamily="34" charset="0"/>
               <a:buChar char="•"/>
             </a:pPr>
-            <a:endParaRPr lang="he-IL" sz="1000" dirty="0"/>
+            <a:endParaRPr lang="he-IL" sz="1300" dirty="0"/>
           </a:p>
         </p:txBody>
       </p:sp>
@@ -3956,7 +3920,7 @@
           <p:nvPr/>
         </p:nvPicPr>
         <p:blipFill>
-          <a:blip r:embed="rId10">
+          <a:blip r:embed="rId9">
             <a:extLst>
               <a:ext uri="{28A0092B-C50C-407E-A947-70E740481C1C}">
                 <a14:useLocalDpi xmlns:a14="http://schemas.microsoft.com/office/drawing/2010/main" val="0"/>
@@ -4262,7 +4226,7 @@
           <p:nvPr/>
         </p:nvPicPr>
         <p:blipFill>
-          <a:blip r:embed="rId11">
+          <a:blip r:embed="rId10">
             <a:extLst>
               <a:ext uri="{28A0092B-C50C-407E-A947-70E740481C1C}">
                 <a14:useLocalDpi xmlns:a14="http://schemas.microsoft.com/office/drawing/2010/main" val="0"/>
@@ -4323,7 +4287,7 @@
           <p:nvPr/>
         </p:nvPicPr>
         <p:blipFill>
-          <a:blip r:embed="rId12">
+          <a:blip r:embed="rId11">
             <a:extLst>
               <a:ext uri="{28A0092B-C50C-407E-A947-70E740481C1C}">
                 <a14:useLocalDpi xmlns:a14="http://schemas.microsoft.com/office/drawing/2010/main" val="0"/>
@@ -4370,7 +4334,7 @@
           <p:nvPr/>
         </p:nvPicPr>
         <p:blipFill>
-          <a:blip r:embed="rId13">
+          <a:blip r:embed="rId12">
             <a:extLst>
               <a:ext uri="{28A0092B-C50C-407E-A947-70E740481C1C}">
                 <a14:useLocalDpi xmlns:a14="http://schemas.microsoft.com/office/drawing/2010/main" val="0"/>
@@ -4471,7 +4435,7 @@
         </p:nvSpPr>
         <p:spPr>
           <a:xfrm>
-            <a:off x="3940187" y="2774059"/>
+            <a:off x="3943394" y="2496648"/>
             <a:ext cx="1256339" cy="265362"/>
           </a:xfrm>
           <a:prstGeom prst="roundRect">
@@ -4537,7 +4501,7 @@
         </p:nvSpPr>
         <p:spPr>
           <a:xfrm>
-            <a:off x="1777808" y="4133382"/>
+            <a:off x="1635491" y="4135063"/>
             <a:ext cx="1892953" cy="286359"/>
           </a:xfrm>
           <a:prstGeom prst="roundRect">
@@ -4603,7 +4567,7 @@
         </p:nvSpPr>
         <p:spPr>
           <a:xfrm>
-            <a:off x="1200768" y="6309859"/>
+            <a:off x="1127662" y="6477438"/>
             <a:ext cx="1461198" cy="239223"/>
           </a:xfrm>
           <a:prstGeom prst="roundRect">
@@ -4740,7 +4704,7 @@
             <p:nvPr/>
           </p:nvPicPr>
           <p:blipFill>
-            <a:blip r:embed="rId14">
+            <a:blip r:embed="rId13">
               <a:extLst>
                 <a:ext uri="{28A0092B-C50C-407E-A947-70E740481C1C}">
                   <a14:useLocalDpi xmlns:a14="http://schemas.microsoft.com/office/drawing/2010/main" val="0"/>
@@ -4783,7 +4747,7 @@
             <p:nvPr/>
           </p:nvPicPr>
           <p:blipFill>
-            <a:blip r:embed="rId15">
+            <a:blip r:embed="rId14">
               <a:extLst>
                 <a:ext uri="{28A0092B-C50C-407E-A947-70E740481C1C}">
                   <a14:useLocalDpi xmlns:a14="http://schemas.microsoft.com/office/drawing/2010/main" val="0"/>
@@ -4826,7 +4790,7 @@
             <p:nvPr/>
           </p:nvPicPr>
           <p:blipFill>
-            <a:blip r:embed="rId16">
+            <a:blip r:embed="rId15">
               <a:extLst>
                 <a:ext uri="{28A0092B-C50C-407E-A947-70E740481C1C}">
                   <a14:useLocalDpi xmlns:a14="http://schemas.microsoft.com/office/drawing/2010/main" val="0"/>
@@ -4869,7 +4833,7 @@
             <p:nvPr/>
           </p:nvPicPr>
           <p:blipFill>
-            <a:blip r:embed="rId17">
+            <a:blip r:embed="rId16">
               <a:extLst>
                 <a:ext uri="{28A0092B-C50C-407E-A947-70E740481C1C}">
                   <a14:useLocalDpi xmlns:a14="http://schemas.microsoft.com/office/drawing/2010/main" val="0"/>
@@ -4912,7 +4876,7 @@
             <p:nvPr/>
           </p:nvPicPr>
           <p:blipFill>
-            <a:blip r:embed="rId18">
+            <a:blip r:embed="rId17">
               <a:extLst>
                 <a:ext uri="{28A0092B-C50C-407E-A947-70E740481C1C}">
                   <a14:useLocalDpi xmlns:a14="http://schemas.microsoft.com/office/drawing/2010/main" val="0"/>
@@ -4962,7 +4926,7 @@
             <p:nvPr/>
           </p:nvPicPr>
           <p:blipFill>
-            <a:blip r:embed="rId19">
+            <a:blip r:embed="rId18">
               <a:extLst>
                 <a:ext uri="{28A0092B-C50C-407E-A947-70E740481C1C}">
                   <a14:useLocalDpi xmlns:a14="http://schemas.microsoft.com/office/drawing/2010/main" val="0"/>
@@ -5009,7 +4973,7 @@
             <p:nvPr/>
           </p:nvPicPr>
           <p:blipFill>
-            <a:blip r:embed="rId20">
+            <a:blip r:embed="rId19">
               <a:extLst>
                 <a:ext uri="{28A0092B-C50C-407E-A947-70E740481C1C}">
                   <a14:useLocalDpi xmlns:a14="http://schemas.microsoft.com/office/drawing/2010/main" val="0"/>
@@ -5056,7 +5020,7 @@
             <p:nvPr/>
           </p:nvPicPr>
           <p:blipFill>
-            <a:blip r:embed="rId21">
+            <a:blip r:embed="rId20">
               <a:extLst>
                 <a:ext uri="{28A0092B-C50C-407E-A947-70E740481C1C}">
                   <a14:useLocalDpi xmlns:a14="http://schemas.microsoft.com/office/drawing/2010/main" val="0"/>
@@ -5103,7 +5067,7 @@
             <p:nvPr/>
           </p:nvPicPr>
           <p:blipFill>
-            <a:blip r:embed="rId22">
+            <a:blip r:embed="rId21">
               <a:extLst>
                 <a:ext uri="{28A0092B-C50C-407E-A947-70E740481C1C}">
                   <a14:useLocalDpi xmlns:a14="http://schemas.microsoft.com/office/drawing/2010/main" val="0"/>
@@ -5150,7 +5114,7 @@
             <p:nvPr/>
           </p:nvPicPr>
           <p:blipFill>
-            <a:blip r:embed="rId23">
+            <a:blip r:embed="rId22">
               <a:extLst>
                 <a:ext uri="{28A0092B-C50C-407E-A947-70E740481C1C}">
                   <a14:useLocalDpi xmlns:a14="http://schemas.microsoft.com/office/drawing/2010/main" val="0"/>
@@ -5197,7 +5161,7 @@
             <p:nvPr/>
           </p:nvPicPr>
           <p:blipFill>
-            <a:blip r:embed="rId24">
+            <a:blip r:embed="rId23">
               <a:extLst>
                 <a:ext uri="{28A0092B-C50C-407E-A947-70E740481C1C}">
                   <a14:useLocalDpi xmlns:a14="http://schemas.microsoft.com/office/drawing/2010/main" val="0"/>
@@ -5246,8 +5210,8 @@
         </p:nvSpPr>
         <p:spPr>
           <a:xfrm>
-            <a:off x="38469" y="3102606"/>
-            <a:ext cx="5246994" cy="1080769"/>
+            <a:off x="30774" y="2837663"/>
+            <a:ext cx="5246994" cy="1344713"/>
           </a:xfrm>
           <a:prstGeom prst="rect">
             <a:avLst/>
@@ -5430,23 +5394,23 @@
               <a:buChar char="•"/>
             </a:pPr>
             <a:r>
-              <a:rPr lang="he-IL" sz="1200" dirty="0"/>
+              <a:rPr lang="he-IL" sz="1400" dirty="0"/>
               <a:t>מערכת מבוססת </a:t>
             </a:r>
             <a:r>
-              <a:rPr lang="en-US" sz="1200" dirty="0"/>
+              <a:rPr lang="en-US" sz="1400" dirty="0"/>
               <a:t>Web </a:t>
             </a:r>
             <a:r>
-              <a:rPr lang="he-IL" sz="1200" dirty="0"/>
+              <a:rPr lang="he-IL" sz="1400" dirty="0"/>
               <a:t> אשר מעודדת את הילדים לקרוא ספרים באמצעות פרסים ומשחקי </a:t>
             </a:r>
             <a:r>
-              <a:rPr lang="en-US" sz="1200" dirty="0"/>
+              <a:rPr lang="en-US" sz="1400" dirty="0"/>
               <a:t>Web</a:t>
             </a:r>
             <a:r>
-              <a:rPr lang="he-IL" sz="1200" dirty="0"/>
+              <a:rPr lang="he-IL" sz="1400" dirty="0"/>
               <a:t>.</a:t>
             </a:r>
           </a:p>
@@ -5459,7 +5423,7 @@
               <a:buChar char="•"/>
             </a:pPr>
             <a:r>
-              <a:rPr lang="he-IL" sz="1200" dirty="0"/>
+              <a:rPr lang="he-IL" sz="1400" dirty="0"/>
               <a:t>יצירת פלטפורמה להורים ומורים למעקב אחר התקדמות הילדים בקריאת ספרים.</a:t>
             </a:r>
           </a:p>
@@ -5472,10 +5436,10 @@
               <a:buChar char="•"/>
             </a:pPr>
             <a:r>
-              <a:rPr lang="he-IL" sz="1200" dirty="0"/>
+              <a:rPr lang="he-IL" sz="1400" dirty="0"/>
               <a:t>קהל היעד הם הקהל הרחב של הילדים במסגרת בית ספר או בשימוש עצמי בעידוד ההורים.</a:t>
             </a:r>
-            <a:endParaRPr lang="en-US" sz="1200" dirty="0"/>
+            <a:endParaRPr lang="en-US" sz="1400" dirty="0"/>
           </a:p>
           <a:p>
             <a:pPr algn="r" rtl="1">
@@ -5486,7 +5450,7 @@
                 <a:spcPts val="300"/>
               </a:spcBef>
             </a:pPr>
-            <a:endParaRPr lang="en-US" sz="1000" dirty="0"/>
+            <a:endParaRPr lang="en-US" sz="1300" b="1" dirty="0"/>
           </a:p>
         </p:txBody>
       </p:sp>
@@ -5504,7 +5468,7 @@
         </p:nvSpPr>
         <p:spPr>
           <a:xfrm>
-            <a:off x="4791402" y="4637670"/>
+            <a:off x="4428599" y="5050125"/>
             <a:ext cx="1461198" cy="239223"/>
           </a:xfrm>
           <a:prstGeom prst="roundRect">
@@ -5570,8 +5534,8 @@
         </p:nvGrpSpPr>
         <p:grpSpPr>
           <a:xfrm>
-            <a:off x="86154" y="6552326"/>
-            <a:ext cx="2567246" cy="1897573"/>
+            <a:off x="149831" y="6725616"/>
+            <a:ext cx="2477239" cy="1784241"/>
             <a:chOff x="237314" y="2438268"/>
             <a:chExt cx="3384938" cy="2519225"/>
           </a:xfrm>
@@ -5640,7 +5604,7 @@
             <p:nvPr/>
           </p:nvPicPr>
           <p:blipFill rotWithShape="1">
-            <a:blip r:embed="rId25">
+            <a:blip r:embed="rId24">
               <a:extLst>
                 <a:ext uri="{28A0092B-C50C-407E-A947-70E740481C1C}">
                   <a14:useLocalDpi xmlns:a14="http://schemas.microsoft.com/office/drawing/2010/main" val="0"/>
@@ -5685,7 +5649,7 @@
             <p:nvPr/>
           </p:nvPicPr>
           <p:blipFill rotWithShape="1">
-            <a:blip r:embed="rId25">
+            <a:blip r:embed="rId24">
               <a:extLst>
                 <a:ext uri="{28A0092B-C50C-407E-A947-70E740481C1C}">
                   <a14:useLocalDpi xmlns:a14="http://schemas.microsoft.com/office/drawing/2010/main" val="0"/>
@@ -5730,7 +5694,7 @@
             <p:nvPr/>
           </p:nvPicPr>
           <p:blipFill rotWithShape="1">
-            <a:blip r:embed="rId25">
+            <a:blip r:embed="rId24">
               <a:extLst>
                 <a:ext uri="{28A0092B-C50C-407E-A947-70E740481C1C}">
                   <a14:useLocalDpi xmlns:a14="http://schemas.microsoft.com/office/drawing/2010/main" val="0"/>
@@ -5775,7 +5739,7 @@
             <p:nvPr/>
           </p:nvPicPr>
           <p:blipFill rotWithShape="1">
-            <a:blip r:embed="rId25">
+            <a:blip r:embed="rId24">
               <a:extLst>
                 <a:ext uri="{28A0092B-C50C-407E-A947-70E740481C1C}">
                   <a14:useLocalDpi xmlns:a14="http://schemas.microsoft.com/office/drawing/2010/main" val="0"/>
@@ -5820,7 +5784,7 @@
             <p:nvPr/>
           </p:nvPicPr>
           <p:blipFill>
-            <a:blip r:embed="rId26">
+            <a:blip r:embed="rId25">
               <a:extLst>
                 <a:ext uri="{28A0092B-C50C-407E-A947-70E740481C1C}">
                   <a14:useLocalDpi xmlns:a14="http://schemas.microsoft.com/office/drawing/2010/main" val="0"/>
@@ -5867,7 +5831,7 @@
             <p:nvPr/>
           </p:nvPicPr>
           <p:blipFill>
-            <a:blip r:embed="rId27">
+            <a:blip r:embed="rId26">
               <a:extLst>
                 <a:ext uri="{28A0092B-C50C-407E-A947-70E740481C1C}">
                   <a14:useLocalDpi xmlns:a14="http://schemas.microsoft.com/office/drawing/2010/main" val="0"/>
@@ -5914,7 +5878,7 @@
             <p:nvPr/>
           </p:nvPicPr>
           <p:blipFill>
-            <a:blip r:embed="rId28">
+            <a:blip r:embed="rId27">
               <a:extLst>
                 <a:ext uri="{28A0092B-C50C-407E-A947-70E740481C1C}">
                   <a14:useLocalDpi xmlns:a14="http://schemas.microsoft.com/office/drawing/2010/main" val="0"/>
@@ -5961,7 +5925,7 @@
             <p:nvPr/>
           </p:nvPicPr>
           <p:blipFill>
-            <a:blip r:embed="rId24">
+            <a:blip r:embed="rId23">
               <a:extLst>
                 <a:ext uri="{28A0092B-C50C-407E-A947-70E740481C1C}">
                   <a14:useLocalDpi xmlns:a14="http://schemas.microsoft.com/office/drawing/2010/main" val="0"/>
@@ -6008,7 +5972,7 @@
             <p:nvPr/>
           </p:nvPicPr>
           <p:blipFill>
-            <a:blip r:embed="rId14">
+            <a:blip r:embed="rId13">
               <a:extLst>
                 <a:ext uri="{28A0092B-C50C-407E-A947-70E740481C1C}">
                   <a14:useLocalDpi xmlns:a14="http://schemas.microsoft.com/office/drawing/2010/main" val="0"/>
@@ -6055,7 +6019,7 @@
             <p:nvPr/>
           </p:nvPicPr>
           <p:blipFill>
-            <a:blip r:embed="rId29">
+            <a:blip r:embed="rId28">
               <a:extLst>
                 <a:ext uri="{28A0092B-C50C-407E-A947-70E740481C1C}">
                   <a14:useLocalDpi xmlns:a14="http://schemas.microsoft.com/office/drawing/2010/main" val="0"/>
@@ -6102,7 +6066,7 @@
             <p:nvPr/>
           </p:nvPicPr>
           <p:blipFill>
-            <a:blip r:embed="rId30">
+            <a:blip r:embed="rId29">
               <a:extLst>
                 <a:ext uri="{28A0092B-C50C-407E-A947-70E740481C1C}">
                   <a14:useLocalDpi xmlns:a14="http://schemas.microsoft.com/office/drawing/2010/main" val="0"/>
@@ -6149,7 +6113,7 @@
             <p:nvPr/>
           </p:nvPicPr>
           <p:blipFill>
-            <a:blip r:embed="rId31">
+            <a:blip r:embed="rId30">
               <a:extLst>
                 <a:ext uri="{28A0092B-C50C-407E-A947-70E740481C1C}">
                   <a14:useLocalDpi xmlns:a14="http://schemas.microsoft.com/office/drawing/2010/main" val="0"/>
@@ -6196,7 +6160,7 @@
             <p:nvPr/>
           </p:nvPicPr>
           <p:blipFill>
-            <a:blip r:embed="rId19">
+            <a:blip r:embed="rId18">
               <a:extLst>
                 <a:ext uri="{28A0092B-C50C-407E-A947-70E740481C1C}">
                   <a14:useLocalDpi xmlns:a14="http://schemas.microsoft.com/office/drawing/2010/main" val="0"/>
@@ -6229,6 +6193,42 @@
           </p:spPr>
         </p:pic>
       </p:grpSp>
+      <p:pic>
+        <p:nvPicPr>
+          <p:cNvPr id="7" name="Picture 6" descr="A close up of a logo&#10;&#10;Description automatically generated">
+            <a:extLst>
+              <a:ext uri="{FF2B5EF4-FFF2-40B4-BE49-F238E27FC236}">
+                <a16:creationId xmlns:a16="http://schemas.microsoft.com/office/drawing/2014/main" id="{54C8ED96-D816-40BF-9C93-4AEDBCA1BA47}"/>
+              </a:ext>
+            </a:extLst>
+          </p:cNvPr>
+          <p:cNvPicPr>
+            <a:picLocks noChangeAspect="1"/>
+          </p:cNvPicPr>
+          <p:nvPr/>
+        </p:nvPicPr>
+        <p:blipFill>
+          <a:blip r:embed="rId31">
+            <a:extLst>
+              <a:ext uri="{28A0092B-C50C-407E-A947-70E740481C1C}">
+                <a14:useLocalDpi xmlns:a14="http://schemas.microsoft.com/office/drawing/2010/main" val="0"/>
+              </a:ext>
+            </a:extLst>
+          </a:blip>
+          <a:stretch>
+            <a:fillRect/>
+          </a:stretch>
+        </p:blipFill>
+        <p:spPr>
+          <a:xfrm>
+            <a:off x="3006118" y="5452632"/>
+            <a:ext cx="3887473" cy="3057176"/>
+          </a:xfrm>
+          <a:prstGeom prst="rect">
+            <a:avLst/>
+          </a:prstGeom>
+        </p:spPr>
+      </p:pic>
     </p:spTree>
     <p:extLst>
       <p:ext uri="{BB962C8B-B14F-4D97-AF65-F5344CB8AC3E}">

--- a/docs/poster.pptx
+++ b/docs/poster.pptx
@@ -6193,42 +6193,6 @@
           </p:spPr>
         </p:pic>
       </p:grpSp>
-      <p:pic>
-        <p:nvPicPr>
-          <p:cNvPr id="7" name="Picture 6" descr="A close up of a logo&#10;&#10;Description automatically generated">
-            <a:extLst>
-              <a:ext uri="{FF2B5EF4-FFF2-40B4-BE49-F238E27FC236}">
-                <a16:creationId xmlns:a16="http://schemas.microsoft.com/office/drawing/2014/main" id="{54C8ED96-D816-40BF-9C93-4AEDBCA1BA47}"/>
-              </a:ext>
-            </a:extLst>
-          </p:cNvPr>
-          <p:cNvPicPr>
-            <a:picLocks noChangeAspect="1"/>
-          </p:cNvPicPr>
-          <p:nvPr/>
-        </p:nvPicPr>
-        <p:blipFill>
-          <a:blip r:embed="rId31">
-            <a:extLst>
-              <a:ext uri="{28A0092B-C50C-407E-A947-70E740481C1C}">
-                <a14:useLocalDpi xmlns:a14="http://schemas.microsoft.com/office/drawing/2010/main" val="0"/>
-              </a:ext>
-            </a:extLst>
-          </a:blip>
-          <a:stretch>
-            <a:fillRect/>
-          </a:stretch>
-        </p:blipFill>
-        <p:spPr>
-          <a:xfrm>
-            <a:off x="3006118" y="5452632"/>
-            <a:ext cx="3887473" cy="3057176"/>
-          </a:xfrm>
-          <a:prstGeom prst="rect">
-            <a:avLst/>
-          </a:prstGeom>
-        </p:spPr>
-      </p:pic>
     </p:spTree>
     <p:extLst>
       <p:ext uri="{BB962C8B-B14F-4D97-AF65-F5344CB8AC3E}">
